--- a/src/figures/Bc-consolidate.pptx
+++ b/src/figures/Bc-consolidate.pptx
@@ -8,9 +8,9 @@
     <p:notesMasterId r:id="rId3"/>
   </p:notesMasterIdLst>
   <p:sldIdLst>
-    <p:sldId id="257" r:id="rId2"/>
+    <p:sldId id="258" r:id="rId2"/>
   </p:sldIdLst>
-  <p:sldSz cx="2879725" cy="1800225"/>
+  <p:sldSz cx="2879725" cy="2879725"/>
   <p:notesSz cx="6858000" cy="9144000"/>
   <p:defaultTextStyle>
     <a:defPPr>
@@ -197,7 +197,7 @@
           <a:p>
             <a:fld id="{C1C90ABE-C08A-444A-9B97-50985CA7357E}" type="datetimeFigureOut">
               <a:rPr kumimoji="1" lang="ja-JP" altLang="en-US" smtClean="0"/>
-              <a:t>2023/8/7</a:t>
+              <a:t>2023/8/20</a:t>
             </a:fld>
             <a:endParaRPr kumimoji="1" lang="ja-JP" altLang="en-US"/>
           </a:p>
@@ -215,8 +215,8 @@
         </p:nvSpPr>
         <p:spPr>
           <a:xfrm>
-            <a:off x="960438" y="1143000"/>
-            <a:ext cx="4937125" cy="3086100"/>
+            <a:off x="1885950" y="1143000"/>
+            <a:ext cx="3086100" cy="3086100"/>
           </a:xfrm>
           <a:prstGeom prst="rect">
             <a:avLst/>
@@ -525,8 +525,8 @@
         </p:nvSpPr>
         <p:spPr>
           <a:xfrm>
-            <a:off x="960438" y="1143000"/>
-            <a:ext cx="4937125" cy="3086100"/>
+            <a:off x="1885950" y="1143000"/>
+            <a:ext cx="3086100" cy="3086100"/>
           </a:xfrm>
         </p:spPr>
       </p:sp>
@@ -575,7 +575,7 @@
     </p:spTree>
     <p:extLst>
       <p:ext uri="{BB962C8B-B14F-4D97-AF65-F5344CB8AC3E}">
-        <p14:creationId xmlns:p14="http://schemas.microsoft.com/office/powerpoint/2010/main" val="1013506649"/>
+        <p14:creationId xmlns:p14="http://schemas.microsoft.com/office/powerpoint/2010/main" val="2568425254"/>
       </p:ext>
     </p:extLst>
   </p:cSld>
@@ -614,8 +614,8 @@
         </p:nvSpPr>
         <p:spPr>
           <a:xfrm>
-            <a:off x="159987" y="294620"/>
-            <a:ext cx="2583690" cy="626745"/>
+            <a:off x="159987" y="471292"/>
+            <a:ext cx="2583690" cy="1002571"/>
           </a:xfrm>
           <a:noFill/>
         </p:spPr>
@@ -655,8 +655,8 @@
         </p:nvSpPr>
         <p:spPr>
           <a:xfrm>
-            <a:off x="159988" y="1035561"/>
-            <a:ext cx="2595561" cy="347167"/>
+            <a:off x="159992" y="1656535"/>
+            <a:ext cx="2595561" cy="555345"/>
           </a:xfrm>
         </p:spPr>
         <p:txBody>
@@ -672,35 +672,35 @@
                 </a:solidFill>
               </a:defRPr>
             </a:lvl1pPr>
-            <a:lvl2pPr marL="88824" indent="0" algn="ctr">
+            <a:lvl2pPr marL="88825" indent="0" algn="ctr">
               <a:buNone/>
               <a:defRPr sz="389"/>
             </a:lvl2pPr>
-            <a:lvl3pPr marL="177648" indent="0" algn="ctr">
+            <a:lvl3pPr marL="177649" indent="0" algn="ctr">
               <a:buNone/>
               <a:defRPr sz="350"/>
             </a:lvl3pPr>
-            <a:lvl4pPr marL="266473" indent="0" algn="ctr">
+            <a:lvl4pPr marL="266475" indent="0" algn="ctr">
               <a:buNone/>
               <a:defRPr sz="311"/>
             </a:lvl4pPr>
-            <a:lvl5pPr marL="355298" indent="0" algn="ctr">
+            <a:lvl5pPr marL="355301" indent="0" algn="ctr">
               <a:buNone/>
               <a:defRPr sz="311"/>
             </a:lvl5pPr>
-            <a:lvl6pPr marL="444121" indent="0" algn="ctr">
+            <a:lvl6pPr marL="444124" indent="0" algn="ctr">
               <a:buNone/>
               <a:defRPr sz="311"/>
             </a:lvl6pPr>
-            <a:lvl7pPr marL="532946" indent="0" algn="ctr">
+            <a:lvl7pPr marL="532950" indent="0" algn="ctr">
               <a:buNone/>
               <a:defRPr sz="311"/>
             </a:lvl7pPr>
-            <a:lvl8pPr marL="621771" indent="0" algn="ctr">
+            <a:lvl8pPr marL="621776" indent="0" algn="ctr">
               <a:buNone/>
               <a:defRPr sz="311"/>
             </a:lvl8pPr>
-            <a:lvl9pPr marL="710595" indent="0" algn="ctr">
+            <a:lvl9pPr marL="710600" indent="0" algn="ctr">
               <a:buNone/>
               <a:defRPr sz="311"/>
             </a:lvl9pPr>
@@ -776,8 +776,8 @@
         </p:nvSpPr>
         <p:spPr>
           <a:xfrm>
-            <a:off x="127991" y="921367"/>
-            <a:ext cx="2751738" cy="65427"/>
+            <a:off x="127991" y="1473865"/>
+            <a:ext cx="2751738" cy="104660"/>
           </a:xfrm>
           <a:prstGeom prst="rect">
             <a:avLst/>
@@ -864,8 +864,8 @@
         </p:nvSpPr>
         <p:spPr>
           <a:xfrm>
-            <a:off x="2" y="0"/>
-            <a:ext cx="2879725" cy="255150"/>
+            <a:off x="4" y="1"/>
+            <a:ext cx="2879725" cy="408150"/>
           </a:xfrm>
         </p:spPr>
         <p:txBody>
@@ -950,8 +950,8 @@
         </p:nvSpPr>
         <p:spPr>
           <a:xfrm>
-            <a:off x="101680" y="340201"/>
-            <a:ext cx="2676365" cy="1266301"/>
+            <a:off x="101684" y="544205"/>
+            <a:ext cx="2676365" cy="2025635"/>
           </a:xfrm>
         </p:spPr>
         <p:txBody>
@@ -1068,8 +1068,8 @@
         </p:nvSpPr>
         <p:spPr>
           <a:xfrm>
-            <a:off x="2" y="0"/>
-            <a:ext cx="2879725" cy="255150"/>
+            <a:off x="4" y="1"/>
+            <a:ext cx="2879725" cy="408150"/>
           </a:xfrm>
         </p:spPr>
         <p:txBody>
@@ -1168,8 +1168,8 @@
         </p:nvSpPr>
         <p:spPr>
           <a:xfrm>
-            <a:off x="2" y="448815"/>
-            <a:ext cx="2879725" cy="748844"/>
+            <a:off x="4" y="717946"/>
+            <a:ext cx="2879725" cy="1197886"/>
           </a:xfrm>
         </p:spPr>
         <p:txBody>
@@ -1203,8 +1203,8 @@
         </p:nvSpPr>
         <p:spPr>
           <a:xfrm>
-            <a:off x="196481" y="1241468"/>
-            <a:ext cx="2483763" cy="357071"/>
+            <a:off x="196485" y="1985914"/>
+            <a:ext cx="2483763" cy="571187"/>
           </a:xfrm>
         </p:spPr>
         <p:txBody>
@@ -1220,7 +1220,7 @@
                 </a:solidFill>
               </a:defRPr>
             </a:lvl1pPr>
-            <a:lvl2pPr marL="88824" indent="0">
+            <a:lvl2pPr marL="88825" indent="0">
               <a:buNone/>
               <a:defRPr sz="389">
                 <a:solidFill>
@@ -1230,7 +1230,7 @@
                 </a:solidFill>
               </a:defRPr>
             </a:lvl2pPr>
-            <a:lvl3pPr marL="177648" indent="0">
+            <a:lvl3pPr marL="177649" indent="0">
               <a:buNone/>
               <a:defRPr sz="350">
                 <a:solidFill>
@@ -1240,7 +1240,7 @@
                 </a:solidFill>
               </a:defRPr>
             </a:lvl3pPr>
-            <a:lvl4pPr marL="266473" indent="0">
+            <a:lvl4pPr marL="266475" indent="0">
               <a:buNone/>
               <a:defRPr sz="311">
                 <a:solidFill>
@@ -1250,7 +1250,7 @@
                 </a:solidFill>
               </a:defRPr>
             </a:lvl4pPr>
-            <a:lvl5pPr marL="355298" indent="0">
+            <a:lvl5pPr marL="355301" indent="0">
               <a:buNone/>
               <a:defRPr sz="311">
                 <a:solidFill>
@@ -1260,7 +1260,7 @@
                 </a:solidFill>
               </a:defRPr>
             </a:lvl5pPr>
-            <a:lvl6pPr marL="444121" indent="0">
+            <a:lvl6pPr marL="444124" indent="0">
               <a:buNone/>
               <a:defRPr sz="311">
                 <a:solidFill>
@@ -1270,7 +1270,7 @@
                 </a:solidFill>
               </a:defRPr>
             </a:lvl6pPr>
-            <a:lvl7pPr marL="532946" indent="0">
+            <a:lvl7pPr marL="532950" indent="0">
               <a:buNone/>
               <a:defRPr sz="311">
                 <a:solidFill>
@@ -1280,7 +1280,7 @@
                 </a:solidFill>
               </a:defRPr>
             </a:lvl7pPr>
-            <a:lvl8pPr marL="621771" indent="0">
+            <a:lvl8pPr marL="621776" indent="0">
               <a:buNone/>
               <a:defRPr sz="311">
                 <a:solidFill>
@@ -1290,7 +1290,7 @@
                 </a:solidFill>
               </a:defRPr>
             </a:lvl8pPr>
-            <a:lvl9pPr marL="710595" indent="0">
+            <a:lvl9pPr marL="710600" indent="0">
               <a:buNone/>
               <a:defRPr sz="311">
                 <a:solidFill>
@@ -1474,8 +1474,8 @@
         </p:nvSpPr>
         <p:spPr>
           <a:xfrm>
-            <a:off x="2" y="0"/>
-            <a:ext cx="2879725" cy="255150"/>
+            <a:off x="4" y="1"/>
+            <a:ext cx="2879725" cy="408150"/>
           </a:xfrm>
           <a:prstGeom prst="rect">
             <a:avLst/>
@@ -1512,8 +1512,8 @@
         </p:nvSpPr>
         <p:spPr>
           <a:xfrm>
-            <a:off x="101680" y="340201"/>
-            <a:ext cx="2676365" cy="1266301"/>
+            <a:off x="101684" y="544205"/>
+            <a:ext cx="2676365" cy="2025635"/>
           </a:xfrm>
           <a:prstGeom prst="rect">
             <a:avLst/>
@@ -1607,8 +1607,8 @@
         </p:nvSpPr>
         <p:spPr>
           <a:xfrm>
-            <a:off x="456587" y="1668550"/>
-            <a:ext cx="1966555" cy="95846"/>
+            <a:off x="456589" y="2669092"/>
+            <a:ext cx="1966555" cy="153320"/>
           </a:xfrm>
           <a:prstGeom prst="rect">
             <a:avLst/>
@@ -1646,8 +1646,8 @@
         </p:nvSpPr>
         <p:spPr>
           <a:xfrm>
-            <a:off x="2455528" y="1668550"/>
-            <a:ext cx="322517" cy="95846"/>
+            <a:off x="2455532" y="2669092"/>
+            <a:ext cx="322517" cy="153320"/>
           </a:xfrm>
           <a:prstGeom prst="rect">
             <a:avLst/>
@@ -1694,7 +1694,7 @@
   </p:sldLayoutIdLst>
   <p:txStyles>
     <p:titleStyle>
-      <a:lvl1pPr algn="l" defTabSz="177648" rtl="0" eaLnBrk="1" latinLnBrk="0" hangingPunct="1">
+      <a:lvl1pPr algn="l" defTabSz="177649" rtl="0" eaLnBrk="1" latinLnBrk="0" hangingPunct="1">
         <a:lnSpc>
           <a:spcPct val="90000"/>
         </a:lnSpc>
@@ -1713,7 +1713,7 @@
       </a:lvl1pPr>
     </p:titleStyle>
     <p:bodyStyle>
-      <a:lvl1pPr marL="70012" indent="-70012" algn="l" defTabSz="177648" rtl="0" eaLnBrk="1" latinLnBrk="0" hangingPunct="1">
+      <a:lvl1pPr marL="70012" indent="-70012" algn="l" defTabSz="177649" rtl="0" eaLnBrk="1" latinLnBrk="0" hangingPunct="1">
         <a:lnSpc>
           <a:spcPct val="120000"/>
         </a:lnSpc>
@@ -1740,7 +1740,7 @@
           <a:cs typeface="+mn-cs"/>
         </a:defRPr>
       </a:lvl1pPr>
-      <a:lvl2pPr marL="138791" indent="-68779" algn="l" defTabSz="177648" rtl="0" eaLnBrk="1" latinLnBrk="0" hangingPunct="1">
+      <a:lvl2pPr marL="138792" indent="-68780" algn="l" defTabSz="177649" rtl="0" eaLnBrk="1" latinLnBrk="0" hangingPunct="1">
         <a:lnSpc>
           <a:spcPct val="120000"/>
         </a:lnSpc>
@@ -1767,7 +1767,7 @@
           <a:cs typeface="+mn-cs"/>
         </a:defRPr>
       </a:lvl2pPr>
-      <a:lvl3pPr marL="208805" indent="-70012" algn="l" defTabSz="177648" rtl="0" eaLnBrk="1" latinLnBrk="0" hangingPunct="1">
+      <a:lvl3pPr marL="208807" indent="-70012" algn="l" defTabSz="177649" rtl="0" eaLnBrk="1" latinLnBrk="0" hangingPunct="1">
         <a:lnSpc>
           <a:spcPct val="120000"/>
         </a:lnSpc>
@@ -1794,7 +1794,7 @@
           <a:cs typeface="+mn-cs"/>
         </a:defRPr>
       </a:lvl3pPr>
-      <a:lvl4pPr marL="278817" indent="-70012" algn="l" defTabSz="177648" rtl="0" eaLnBrk="1" latinLnBrk="0" hangingPunct="1">
+      <a:lvl4pPr marL="278819" indent="-70012" algn="l" defTabSz="177649" rtl="0" eaLnBrk="1" latinLnBrk="0" hangingPunct="1">
         <a:lnSpc>
           <a:spcPct val="120000"/>
         </a:lnSpc>
@@ -1821,7 +1821,7 @@
           <a:cs typeface="+mn-cs"/>
         </a:defRPr>
       </a:lvl4pPr>
-      <a:lvl5pPr marL="349138" indent="-70321" algn="l" defTabSz="177648" rtl="0" eaLnBrk="1" latinLnBrk="0" hangingPunct="1">
+      <a:lvl5pPr marL="349140" indent="-70321" algn="l" defTabSz="177649" rtl="0" eaLnBrk="1" latinLnBrk="0" hangingPunct="1">
         <a:lnSpc>
           <a:spcPct val="120000"/>
         </a:lnSpc>
@@ -1848,7 +1848,7 @@
           <a:cs typeface="+mn-cs"/>
         </a:defRPr>
       </a:lvl5pPr>
-      <a:lvl6pPr marL="488534" indent="-44413" algn="l" defTabSz="177648" rtl="0" eaLnBrk="1" latinLnBrk="0" hangingPunct="1">
+      <a:lvl6pPr marL="488538" indent="-44413" algn="l" defTabSz="177649" rtl="0" eaLnBrk="1" latinLnBrk="0" hangingPunct="1">
         <a:lnSpc>
           <a:spcPct val="90000"/>
         </a:lnSpc>
@@ -1866,7 +1866,7 @@
           <a:cs typeface="+mn-cs"/>
         </a:defRPr>
       </a:lvl6pPr>
-      <a:lvl7pPr marL="577358" indent="-44413" algn="l" defTabSz="177648" rtl="0" eaLnBrk="1" latinLnBrk="0" hangingPunct="1">
+      <a:lvl7pPr marL="577362" indent="-44413" algn="l" defTabSz="177649" rtl="0" eaLnBrk="1" latinLnBrk="0" hangingPunct="1">
         <a:lnSpc>
           <a:spcPct val="90000"/>
         </a:lnSpc>
@@ -1884,7 +1884,7 @@
           <a:cs typeface="+mn-cs"/>
         </a:defRPr>
       </a:lvl7pPr>
-      <a:lvl8pPr marL="666182" indent="-44413" algn="l" defTabSz="177648" rtl="0" eaLnBrk="1" latinLnBrk="0" hangingPunct="1">
+      <a:lvl8pPr marL="666187" indent="-44413" algn="l" defTabSz="177649" rtl="0" eaLnBrk="1" latinLnBrk="0" hangingPunct="1">
         <a:lnSpc>
           <a:spcPct val="90000"/>
         </a:lnSpc>
@@ -1902,7 +1902,7 @@
           <a:cs typeface="+mn-cs"/>
         </a:defRPr>
       </a:lvl8pPr>
-      <a:lvl9pPr marL="755008" indent="-44413" algn="l" defTabSz="177648" rtl="0" eaLnBrk="1" latinLnBrk="0" hangingPunct="1">
+      <a:lvl9pPr marL="755013" indent="-44413" algn="l" defTabSz="177649" rtl="0" eaLnBrk="1" latinLnBrk="0" hangingPunct="1">
         <a:lnSpc>
           <a:spcPct val="90000"/>
         </a:lnSpc>
@@ -1925,7 +1925,7 @@
       <a:defPPr>
         <a:defRPr lang="en-US"/>
       </a:defPPr>
-      <a:lvl1pPr marL="0" algn="l" defTabSz="177648" rtl="0" eaLnBrk="1" latinLnBrk="0" hangingPunct="1">
+      <a:lvl1pPr marL="0" algn="l" defTabSz="177649" rtl="0" eaLnBrk="1" latinLnBrk="0" hangingPunct="1">
         <a:defRPr kumimoji="1" sz="350" kern="1200">
           <a:solidFill>
             <a:schemeClr val="tx1"/>
@@ -1935,7 +1935,7 @@
           <a:cs typeface="+mn-cs"/>
         </a:defRPr>
       </a:lvl1pPr>
-      <a:lvl2pPr marL="88824" algn="l" defTabSz="177648" rtl="0" eaLnBrk="1" latinLnBrk="0" hangingPunct="1">
+      <a:lvl2pPr marL="88825" algn="l" defTabSz="177649" rtl="0" eaLnBrk="1" latinLnBrk="0" hangingPunct="1">
         <a:defRPr kumimoji="1" sz="350" kern="1200">
           <a:solidFill>
             <a:schemeClr val="tx1"/>
@@ -1945,7 +1945,7 @@
           <a:cs typeface="+mn-cs"/>
         </a:defRPr>
       </a:lvl2pPr>
-      <a:lvl3pPr marL="177648" algn="l" defTabSz="177648" rtl="0" eaLnBrk="1" latinLnBrk="0" hangingPunct="1">
+      <a:lvl3pPr marL="177649" algn="l" defTabSz="177649" rtl="0" eaLnBrk="1" latinLnBrk="0" hangingPunct="1">
         <a:defRPr kumimoji="1" sz="350" kern="1200">
           <a:solidFill>
             <a:schemeClr val="tx1"/>
@@ -1955,7 +1955,7 @@
           <a:cs typeface="+mn-cs"/>
         </a:defRPr>
       </a:lvl3pPr>
-      <a:lvl4pPr marL="266473" algn="l" defTabSz="177648" rtl="0" eaLnBrk="1" latinLnBrk="0" hangingPunct="1">
+      <a:lvl4pPr marL="266475" algn="l" defTabSz="177649" rtl="0" eaLnBrk="1" latinLnBrk="0" hangingPunct="1">
         <a:defRPr kumimoji="1" sz="350" kern="1200">
           <a:solidFill>
             <a:schemeClr val="tx1"/>
@@ -1965,7 +1965,7 @@
           <a:cs typeface="+mn-cs"/>
         </a:defRPr>
       </a:lvl4pPr>
-      <a:lvl5pPr marL="355298" algn="l" defTabSz="177648" rtl="0" eaLnBrk="1" latinLnBrk="0" hangingPunct="1">
+      <a:lvl5pPr marL="355301" algn="l" defTabSz="177649" rtl="0" eaLnBrk="1" latinLnBrk="0" hangingPunct="1">
         <a:defRPr kumimoji="1" sz="350" kern="1200">
           <a:solidFill>
             <a:schemeClr val="tx1"/>
@@ -1975,7 +1975,7 @@
           <a:cs typeface="+mn-cs"/>
         </a:defRPr>
       </a:lvl5pPr>
-      <a:lvl6pPr marL="444121" algn="l" defTabSz="177648" rtl="0" eaLnBrk="1" latinLnBrk="0" hangingPunct="1">
+      <a:lvl6pPr marL="444124" algn="l" defTabSz="177649" rtl="0" eaLnBrk="1" latinLnBrk="0" hangingPunct="1">
         <a:defRPr kumimoji="1" sz="350" kern="1200">
           <a:solidFill>
             <a:schemeClr val="tx1"/>
@@ -1985,7 +1985,7 @@
           <a:cs typeface="+mn-cs"/>
         </a:defRPr>
       </a:lvl6pPr>
-      <a:lvl7pPr marL="532946" algn="l" defTabSz="177648" rtl="0" eaLnBrk="1" latinLnBrk="0" hangingPunct="1">
+      <a:lvl7pPr marL="532950" algn="l" defTabSz="177649" rtl="0" eaLnBrk="1" latinLnBrk="0" hangingPunct="1">
         <a:defRPr kumimoji="1" sz="350" kern="1200">
           <a:solidFill>
             <a:schemeClr val="tx1"/>
@@ -1995,7 +1995,7 @@
           <a:cs typeface="+mn-cs"/>
         </a:defRPr>
       </a:lvl7pPr>
-      <a:lvl8pPr marL="621771" algn="l" defTabSz="177648" rtl="0" eaLnBrk="1" latinLnBrk="0" hangingPunct="1">
+      <a:lvl8pPr marL="621776" algn="l" defTabSz="177649" rtl="0" eaLnBrk="1" latinLnBrk="0" hangingPunct="1">
         <a:defRPr kumimoji="1" sz="350" kern="1200">
           <a:solidFill>
             <a:schemeClr val="tx1"/>
@@ -2005,7 +2005,7 @@
           <a:cs typeface="+mn-cs"/>
         </a:defRPr>
       </a:lvl8pPr>
-      <a:lvl9pPr marL="710595" algn="l" defTabSz="177648" rtl="0" eaLnBrk="1" latinLnBrk="0" hangingPunct="1">
+      <a:lvl9pPr marL="710600" algn="l" defTabSz="177649" rtl="0" eaLnBrk="1" latinLnBrk="0" hangingPunct="1">
         <a:defRPr kumimoji="1" sz="350" kern="1200">
           <a:solidFill>
             <a:schemeClr val="tx1"/>
@@ -2055,7 +2055,7 @@
         </p:nvCxnSpPr>
         <p:spPr>
           <a:xfrm flipH="1">
-            <a:off x="2128197" y="386938"/>
+            <a:off x="2128198" y="382889"/>
             <a:ext cx="148246" cy="218853"/>
           </a:xfrm>
           <a:prstGeom prst="straightConnector1">
@@ -2101,8 +2101,8 @@
         </p:nvCxnSpPr>
         <p:spPr>
           <a:xfrm flipH="1">
-            <a:off x="1932182" y="733071"/>
-            <a:ext cx="68735" cy="144585"/>
+            <a:off x="1708062" y="729020"/>
+            <a:ext cx="292855" cy="1319290"/>
           </a:xfrm>
           <a:prstGeom prst="straightConnector1">
             <a:avLst/>
@@ -2148,7 +2148,7 @@
         </p:nvCxnSpPr>
         <p:spPr>
           <a:xfrm>
-            <a:off x="2128197" y="733071"/>
+            <a:off x="2128200" y="729023"/>
             <a:ext cx="210437" cy="193299"/>
           </a:xfrm>
           <a:prstGeom prst="straightConnector1">
@@ -2188,14 +2188,14 @@
           </p:cNvPr>
           <p:cNvCxnSpPr>
             <a:cxnSpLocks/>
-            <a:endCxn id="212" idx="2"/>
+            <a:endCxn id="212" idx="4"/>
           </p:cNvCxnSpPr>
           <p:nvPr/>
         </p:nvCxnSpPr>
         <p:spPr>
-          <a:xfrm>
-            <a:off x="1951832" y="1016370"/>
-            <a:ext cx="296802" cy="0"/>
+          <a:xfrm flipV="1">
+            <a:off x="1708062" y="1102319"/>
+            <a:ext cx="630572" cy="1022026"/>
           </a:xfrm>
           <a:prstGeom prst="straightConnector1">
             <a:avLst/>
@@ -2237,7 +2237,7 @@
         </p:nvSpPr>
         <p:spPr>
           <a:xfrm>
-            <a:off x="1974557" y="579431"/>
+            <a:off x="1974557" y="575380"/>
             <a:ext cx="180000" cy="180000"/>
           </a:xfrm>
           <a:prstGeom prst="ellipse">
@@ -2292,8 +2292,8 @@
           </a:p>
         </p:txBody>
       </p:sp>
-      <mc:AlternateContent xmlns:mc="http://schemas.openxmlformats.org/markup-compatibility/2006">
-        <mc:Choice xmlns:a14="http://schemas.microsoft.com/office/drawing/2010/main" Requires="a14">
+      <mc:AlternateContent xmlns:mc="http://schemas.openxmlformats.org/markup-compatibility/2006" xmlns:a14="http://schemas.microsoft.com/office/drawing/2010/main">
+        <mc:Choice Requires="a14">
           <p:graphicFrame>
             <p:nvGraphicFramePr>
               <p:cNvPr id="191" name="表 49">
@@ -2309,14 +2309,14 @@
               <p:nvPr>
                 <p:extLst>
                   <p:ext uri="{D42A27DB-BD31-4B8C-83A1-F6EECF244321}">
-                    <p14:modId xmlns:p14="http://schemas.microsoft.com/office/powerpoint/2010/main" val="3253879257"/>
+                    <p14:modId xmlns:p14="http://schemas.microsoft.com/office/powerpoint/2010/main" val="4178727128"/>
                   </p:ext>
                 </p:extLst>
               </p:nvPr>
             </p:nvGraphicFramePr>
             <p:xfrm>
-              <a:off x="1387552" y="769514"/>
-              <a:ext cx="538001" cy="560584"/>
+              <a:off x="1170061" y="2048310"/>
+              <a:ext cx="538001" cy="707809"/>
             </p:xfrm>
             <a:graphic>
               <a:graphicData uri="http://schemas.openxmlformats.org/drawingml/2006/table">
@@ -2333,7 +2333,7 @@
                       </a:extLst>
                     </a:gridCol>
                   </a:tblGrid>
-                  <a:tr h="79952">
+                  <a:tr h="145207">
                     <a:tc>
                       <a:txBody>
                         <a:bodyPr/>
@@ -2408,7 +2408,7 @@
                       </a:ext>
                     </a:extLst>
                   </a:tr>
-                  <a:tr h="79952">
+                  <a:tr h="145207">
                     <a:tc>
                       <a:txBody>
                         <a:bodyPr/>
@@ -2473,7 +2473,7 @@
                       </a:ext>
                     </a:extLst>
                   </a:tr>
-                  <a:tr h="79952">
+                  <a:tr h="145207">
                     <a:tc>
                       <a:txBody>
                         <a:bodyPr/>
@@ -2537,7 +2537,7 @@
                       </a:ext>
                     </a:extLst>
                   </a:tr>
-                  <a:tr h="79952">
+                  <a:tr h="272188">
                     <a:tc>
                       <a:txBody>
                         <a:bodyPr/>
@@ -2631,7 +2631,7 @@
             </a:graphic>
           </p:graphicFrame>
         </mc:Choice>
-        <mc:Fallback>
+        <mc:Fallback xmlns="">
           <p:graphicFrame>
             <p:nvGraphicFramePr>
               <p:cNvPr id="191" name="表 49">
@@ -2647,14 +2647,14 @@
               <p:nvPr>
                 <p:extLst>
                   <p:ext uri="{D42A27DB-BD31-4B8C-83A1-F6EECF244321}">
-                    <p14:modId xmlns:p14="http://schemas.microsoft.com/office/powerpoint/2010/main" val="3253879257"/>
+                    <p14:modId xmlns:p14="http://schemas.microsoft.com/office/powerpoint/2010/main" val="4178727128"/>
                   </p:ext>
                 </p:extLst>
               </p:nvPr>
             </p:nvGraphicFramePr>
             <p:xfrm>
-              <a:off x="1387552" y="769514"/>
-              <a:ext cx="538001" cy="560584"/>
+              <a:off x="1170061" y="2048310"/>
+              <a:ext cx="538001" cy="707809"/>
             </p:xfrm>
             <a:graphic>
               <a:graphicData uri="http://schemas.openxmlformats.org/drawingml/2006/table">
@@ -2671,7 +2671,7 @@
                       </a:extLst>
                     </a:gridCol>
                   </a:tblGrid>
-                  <a:tr h="140146">
+                  <a:tr h="145207">
                     <a:tc>
                       <a:txBody>
                         <a:bodyPr/>
@@ -2746,7 +2746,7 @@
                       </a:ext>
                     </a:extLst>
                   </a:tr>
-                  <a:tr h="140146">
+                  <a:tr h="145207">
                     <a:tc>
                       <a:txBody>
                         <a:bodyPr/>
@@ -2811,7 +2811,7 @@
                       </a:ext>
                     </a:extLst>
                   </a:tr>
-                  <a:tr h="140146">
+                  <a:tr h="145207">
                     <a:tc>
                       <a:txBody>
                         <a:bodyPr/>
@@ -2875,7 +2875,7 @@
                       </a:ext>
                     </a:extLst>
                   </a:tr>
-                  <a:tr h="140146">
+                  <a:tr h="272188">
                     <a:tc>
                       <a:txBody>
                         <a:bodyPr/>
@@ -2924,7 +2924,7 @@
                         <a:blipFill>
                           <a:blip r:embed="rId3"/>
                           <a:stretch>
-                            <a:fillRect l="-1124" t="-321739" r="-2247" b="-34783"/>
+                            <a:fillRect l="-1111" t="-168889" r="-2222" b="-4444"/>
                           </a:stretch>
                         </a:blipFill>
                       </a:tcPr>
@@ -2941,8 +2941,8 @@
           </p:graphicFrame>
         </mc:Fallback>
       </mc:AlternateContent>
-      <mc:AlternateContent xmlns:mc="http://schemas.openxmlformats.org/markup-compatibility/2006">
-        <mc:Choice xmlns:a14="http://schemas.microsoft.com/office/drawing/2010/main" Requires="a14">
+      <mc:AlternateContent xmlns:mc="http://schemas.openxmlformats.org/markup-compatibility/2006" xmlns:a14="http://schemas.microsoft.com/office/drawing/2010/main">
+        <mc:Choice Requires="a14">
           <p:graphicFrame>
             <p:nvGraphicFramePr>
               <p:cNvPr id="192" name="表 49">
@@ -2958,14 +2958,14 @@
               <p:nvPr>
                 <p:extLst>
                   <p:ext uri="{D42A27DB-BD31-4B8C-83A1-F6EECF244321}">
-                    <p14:modId xmlns:p14="http://schemas.microsoft.com/office/powerpoint/2010/main" val="3242310036"/>
+                    <p14:modId xmlns:p14="http://schemas.microsoft.com/office/powerpoint/2010/main" val="1566221636"/>
                   </p:ext>
                 </p:extLst>
               </p:nvPr>
             </p:nvGraphicFramePr>
             <p:xfrm>
-              <a:off x="709867" y="971237"/>
-              <a:ext cx="536400" cy="560584"/>
+              <a:off x="1171662" y="1000812"/>
+              <a:ext cx="536400" cy="707809"/>
             </p:xfrm>
             <a:graphic>
               <a:graphicData uri="http://schemas.openxmlformats.org/drawingml/2006/table">
@@ -2982,7 +2982,7 @@
                       </a:extLst>
                     </a:gridCol>
                   </a:tblGrid>
-                  <a:tr h="79952">
+                  <a:tr h="145207">
                     <a:tc>
                       <a:txBody>
                         <a:bodyPr/>
@@ -3057,7 +3057,7 @@
                       </a:ext>
                     </a:extLst>
                   </a:tr>
-                  <a:tr h="79952">
+                  <a:tr h="145207">
                     <a:tc>
                       <a:txBody>
                         <a:bodyPr/>
@@ -3122,7 +3122,7 @@
                       </a:ext>
                     </a:extLst>
                   </a:tr>
-                  <a:tr h="79952">
+                  <a:tr h="145207">
                     <a:tc>
                       <a:txBody>
                         <a:bodyPr/>
@@ -3186,7 +3186,7 @@
                       </a:ext>
                     </a:extLst>
                   </a:tr>
-                  <a:tr h="79952">
+                  <a:tr h="272188">
                     <a:tc>
                       <a:txBody>
                         <a:bodyPr/>
@@ -3280,7 +3280,7 @@
             </a:graphic>
           </p:graphicFrame>
         </mc:Choice>
-        <mc:Fallback>
+        <mc:Fallback xmlns="">
           <p:graphicFrame>
             <p:nvGraphicFramePr>
               <p:cNvPr id="192" name="表 49">
@@ -3296,14 +3296,14 @@
               <p:nvPr>
                 <p:extLst>
                   <p:ext uri="{D42A27DB-BD31-4B8C-83A1-F6EECF244321}">
-                    <p14:modId xmlns:p14="http://schemas.microsoft.com/office/powerpoint/2010/main" val="3242310036"/>
+                    <p14:modId xmlns:p14="http://schemas.microsoft.com/office/powerpoint/2010/main" val="1566221636"/>
                   </p:ext>
                 </p:extLst>
               </p:nvPr>
             </p:nvGraphicFramePr>
             <p:xfrm>
-              <a:off x="709867" y="971237"/>
-              <a:ext cx="536400" cy="560584"/>
+              <a:off x="1171662" y="1000812"/>
+              <a:ext cx="536400" cy="707809"/>
             </p:xfrm>
             <a:graphic>
               <a:graphicData uri="http://schemas.openxmlformats.org/drawingml/2006/table">
@@ -3320,7 +3320,7 @@
                       </a:extLst>
                     </a:gridCol>
                   </a:tblGrid>
-                  <a:tr h="140146">
+                  <a:tr h="145207">
                     <a:tc>
                       <a:txBody>
                         <a:bodyPr/>
@@ -3395,7 +3395,7 @@
                       </a:ext>
                     </a:extLst>
                   </a:tr>
-                  <a:tr h="140146">
+                  <a:tr h="145207">
                     <a:tc>
                       <a:txBody>
                         <a:bodyPr/>
@@ -3460,7 +3460,7 @@
                       </a:ext>
                     </a:extLst>
                   </a:tr>
-                  <a:tr h="140146">
+                  <a:tr h="145207">
                     <a:tc>
                       <a:txBody>
                         <a:bodyPr/>
@@ -3524,7 +3524,7 @@
                       </a:ext>
                     </a:extLst>
                   </a:tr>
-                  <a:tr h="140146">
+                  <a:tr h="272188">
                     <a:tc>
                       <a:txBody>
                         <a:bodyPr/>
@@ -3573,7 +3573,7 @@
                         <a:blipFill>
                           <a:blip r:embed="rId4"/>
                           <a:stretch>
-                            <a:fillRect l="-1124" t="-321739" r="-2247" b="-34783"/>
+                            <a:fillRect l="-1124" t="-166667" r="-2247" b="-4444"/>
                           </a:stretch>
                         </a:blipFill>
                       </a:tcPr>
@@ -3601,15 +3601,15 @@
           </p:cNvPr>
           <p:cNvCxnSpPr>
             <a:cxnSpLocks/>
-            <a:stCxn id="192" idx="3"/>
-            <a:endCxn id="191" idx="1"/>
+            <a:stCxn id="192" idx="2"/>
+            <a:endCxn id="191" idx="0"/>
           </p:cNvCxnSpPr>
           <p:nvPr/>
         </p:nvCxnSpPr>
         <p:spPr>
-          <a:xfrm flipV="1">
-            <a:off x="1246267" y="1049806"/>
-            <a:ext cx="141285" cy="201723"/>
+          <a:xfrm flipH="1">
+            <a:off x="1439061" y="1708621"/>
+            <a:ext cx="801" cy="339689"/>
           </a:xfrm>
           <a:prstGeom prst="straightConnector1">
             <a:avLst/>
@@ -3652,7 +3652,7 @@
         </p:nvCxnSpPr>
         <p:spPr>
           <a:xfrm>
-            <a:off x="531676" y="623610"/>
+            <a:off x="531676" y="619562"/>
             <a:ext cx="1436252" cy="45811"/>
           </a:xfrm>
           <a:prstGeom prst="straightConnector1">
@@ -3694,7 +3694,7 @@
         </p:nvSpPr>
         <p:spPr>
           <a:xfrm>
-            <a:off x="2525608" y="579834"/>
+            <a:off x="2525608" y="575783"/>
             <a:ext cx="180000" cy="180000"/>
           </a:xfrm>
           <a:prstGeom prst="ellipse">
@@ -3763,7 +3763,7 @@
         </p:nvSpPr>
         <p:spPr>
           <a:xfrm>
-            <a:off x="2250083" y="233298"/>
+            <a:off x="2250083" y="229247"/>
             <a:ext cx="180000" cy="180000"/>
           </a:xfrm>
           <a:prstGeom prst="ellipse">
@@ -3835,7 +3835,7 @@
         </p:nvCxnSpPr>
         <p:spPr>
           <a:xfrm>
-            <a:off x="2340083" y="42041"/>
+            <a:off x="2340083" y="37992"/>
             <a:ext cx="0" cy="191257"/>
           </a:xfrm>
           <a:prstGeom prst="straightConnector1">
@@ -3882,7 +3882,7 @@
         </p:nvCxnSpPr>
         <p:spPr>
           <a:xfrm>
-            <a:off x="2403723" y="386938"/>
+            <a:off x="2403726" y="382887"/>
             <a:ext cx="148245" cy="219256"/>
           </a:xfrm>
           <a:prstGeom prst="straightConnector1">
@@ -3929,7 +3929,7 @@
         </p:nvCxnSpPr>
         <p:spPr>
           <a:xfrm>
-            <a:off x="2154557" y="669431"/>
+            <a:off x="2154560" y="665383"/>
             <a:ext cx="371051" cy="403"/>
           </a:xfrm>
           <a:prstGeom prst="straightConnector1">
@@ -3975,7 +3975,7 @@
         </p:nvCxnSpPr>
         <p:spPr>
           <a:xfrm>
-            <a:off x="2679248" y="733474"/>
+            <a:off x="2679248" y="729423"/>
             <a:ext cx="110246" cy="114056"/>
           </a:xfrm>
           <a:prstGeom prst="straightConnector1">
@@ -4018,7 +4018,7 @@
         </p:nvSpPr>
         <p:spPr>
           <a:xfrm>
-            <a:off x="2453746" y="925481"/>
+            <a:off x="2453747" y="921432"/>
             <a:ext cx="71862" cy="134139"/>
           </a:xfrm>
           <a:prstGeom prst="rect">
@@ -4076,7 +4076,7 @@
         </p:nvCxnSpPr>
         <p:spPr>
           <a:xfrm flipV="1">
-            <a:off x="531676" y="323298"/>
+            <a:off x="531679" y="319250"/>
             <a:ext cx="1718407" cy="192483"/>
           </a:xfrm>
           <a:prstGeom prst="straightConnector1">
@@ -4119,9 +4119,9 @@
           <p:nvPr/>
         </p:nvCxnSpPr>
         <p:spPr>
-          <a:xfrm flipV="1">
-            <a:off x="538434" y="804724"/>
-            <a:ext cx="835113" cy="145865"/>
+          <a:xfrm>
+            <a:off x="538437" y="946541"/>
+            <a:ext cx="622148" cy="1101769"/>
           </a:xfrm>
           <a:prstGeom prst="straightConnector1">
             <a:avLst/>
@@ -4163,10 +4163,10 @@
         </p:nvGrpSpPr>
         <p:grpSpPr>
           <a:xfrm>
-            <a:off x="847614" y="42041"/>
-            <a:ext cx="1187165" cy="318313"/>
+            <a:off x="847617" y="37992"/>
+            <a:ext cx="1187165" cy="297393"/>
             <a:chOff x="860173" y="1557631"/>
-            <a:chExt cx="1030332" cy="411189"/>
+            <a:chExt cx="1030332" cy="384165"/>
           </a:xfrm>
         </p:grpSpPr>
         <p:sp>
@@ -4244,9 +4244,9 @@
           <p:grpSpPr>
             <a:xfrm>
               <a:off x="928906" y="1604705"/>
-              <a:ext cx="921248" cy="364115"/>
+              <a:ext cx="921248" cy="312394"/>
               <a:chOff x="3216913" y="957154"/>
-              <a:chExt cx="921248" cy="364115"/>
+              <a:chExt cx="921248" cy="312394"/>
             </a:xfrm>
           </p:grpSpPr>
           <p:cxnSp>
@@ -4353,7 +4353,7 @@
             <p:spPr>
               <a:xfrm>
                 <a:off x="3419803" y="957154"/>
-                <a:ext cx="718358" cy="364115"/>
+                <a:ext cx="718358" cy="173277"/>
               </a:xfrm>
               <a:prstGeom prst="rect">
                 <a:avLst/>
@@ -4407,7 +4407,7 @@
             </p:nvSpPr>
             <p:spPr>
               <a:xfrm>
-                <a:off x="3419803" y="1096272"/>
+                <a:off x="3419803" y="1096271"/>
                 <a:ext cx="718358" cy="173277"/>
               </a:xfrm>
               <a:prstGeom prst="rect">
@@ -4467,7 +4467,7 @@
         </p:nvCxnSpPr>
         <p:spPr>
           <a:xfrm flipH="1" flipV="1">
-            <a:off x="2254191" y="971936"/>
+            <a:off x="2254193" y="967885"/>
             <a:ext cx="174443" cy="44434"/>
           </a:xfrm>
           <a:prstGeom prst="straightConnector1">
@@ -4510,7 +4510,7 @@
         </p:nvSpPr>
         <p:spPr>
           <a:xfrm>
-            <a:off x="2248634" y="926370"/>
+            <a:off x="2248634" y="922319"/>
             <a:ext cx="180000" cy="180000"/>
           </a:xfrm>
           <a:prstGeom prst="ellipse">
@@ -4575,14 +4575,13 @@
           </p:cNvPr>
           <p:cNvCxnSpPr>
             <a:cxnSpLocks/>
-            <a:endCxn id="192" idx="1"/>
           </p:cNvCxnSpPr>
           <p:nvPr/>
         </p:nvCxnSpPr>
         <p:spPr>
           <a:xfrm>
-            <a:off x="539051" y="956049"/>
-            <a:ext cx="170816" cy="295480"/>
+            <a:off x="545064" y="946541"/>
+            <a:ext cx="615521" cy="109030"/>
           </a:xfrm>
           <a:prstGeom prst="straightConnector1">
             <a:avLst/>
@@ -4624,14 +4623,14 @@
           <p:nvPr>
             <p:extLst>
               <p:ext uri="{D42A27DB-BD31-4B8C-83A1-F6EECF244321}">
-                <p14:modId xmlns:p14="http://schemas.microsoft.com/office/powerpoint/2010/main" val="2547860693"/>
+                <p14:modId xmlns:p14="http://schemas.microsoft.com/office/powerpoint/2010/main" val="3855848080"/>
               </p:ext>
             </p:extLst>
           </p:nvPr>
         </p:nvGraphicFramePr>
         <p:xfrm>
-          <a:off x="118460" y="190963"/>
-          <a:ext cx="419974" cy="1102942"/>
+          <a:off x="118460" y="186912"/>
+          <a:ext cx="419974" cy="1143430"/>
         </p:xfrm>
         <a:graphic>
           <a:graphicData uri="http://schemas.openxmlformats.org/drawingml/2006/table">
@@ -4648,7 +4647,7 @@
                   </a:extLst>
                 </a:gridCol>
               </a:tblGrid>
-              <a:tr h="79952">
+              <a:tr h="272188">
                 <a:tc>
                   <a:txBody>
                     <a:bodyPr/>
@@ -4715,7 +4714,7 @@
                   </a:ext>
                 </a:extLst>
               </a:tr>
-              <a:tr h="79952">
+              <a:tr h="145207">
                 <a:tc>
                   <a:txBody>
                     <a:bodyPr/>
@@ -4773,7 +4772,7 @@
                   </a:ext>
                 </a:extLst>
               </a:tr>
-              <a:tr h="79952">
+              <a:tr h="145207">
                 <a:tc>
                   <a:txBody>
                     <a:bodyPr/>
@@ -4822,7 +4821,7 @@
                   </a:ext>
                 </a:extLst>
               </a:tr>
-              <a:tr h="79952">
+              <a:tr h="145207">
                 <a:tc>
                   <a:txBody>
                     <a:bodyPr/>
@@ -4871,7 +4870,7 @@
                   </a:ext>
                 </a:extLst>
               </a:tr>
-              <a:tr h="79952">
+              <a:tr h="145207">
                 <a:tc>
                   <a:txBody>
                     <a:bodyPr/>
@@ -4919,7 +4918,7 @@
                   </a:ext>
                 </a:extLst>
               </a:tr>
-              <a:tr h="79952">
+              <a:tr h="145207">
                 <a:tc>
                   <a:txBody>
                     <a:bodyPr/>
@@ -4967,7 +4966,7 @@
                   </a:ext>
                 </a:extLst>
               </a:tr>
-              <a:tr h="79952">
+              <a:tr h="145207">
                 <a:tc>
                   <a:txBody>
                     <a:bodyPr/>
@@ -5042,7 +5041,7 @@
         </p:nvSpPr>
         <p:spPr>
           <a:xfrm>
-            <a:off x="131959" y="1514271"/>
+            <a:off x="909482" y="694460"/>
             <a:ext cx="1008114" cy="281872"/>
           </a:xfrm>
           <a:prstGeom prst="rect">
@@ -5122,7 +5121,7 @@
         </p:nvSpPr>
         <p:spPr>
           <a:xfrm>
-            <a:off x="1394344" y="1354809"/>
+            <a:off x="1728802" y="2402214"/>
             <a:ext cx="1219664" cy="281872"/>
           </a:xfrm>
           <a:prstGeom prst="rect">
@@ -5202,7 +5201,7 @@
         </p:nvSpPr>
         <p:spPr>
           <a:xfrm>
-            <a:off x="545063" y="651201"/>
+            <a:off x="29386" y="1526543"/>
             <a:ext cx="1186970" cy="134139"/>
           </a:xfrm>
           <a:prstGeom prst="rect">
@@ -5262,14 +5261,14 @@
           <p:nvPr/>
         </p:nvSpPr>
         <p:spPr>
-          <a:xfrm rot="3332844">
-            <a:off x="536929" y="891734"/>
-            <a:ext cx="143231" cy="160087"/>
+          <a:xfrm rot="1760489" flipV="1">
+            <a:off x="698494" y="993409"/>
+            <a:ext cx="360627" cy="403067"/>
           </a:xfrm>
           <a:prstGeom prst="arc">
             <a:avLst>
               <a:gd name="adj1" fmla="val 17086364"/>
-              <a:gd name="adj2" fmla="val 2618212"/>
+              <a:gd name="adj2" fmla="val 4177700"/>
             </a:avLst>
           </a:prstGeom>
           <a:ln w="25400">
@@ -5317,7 +5316,7 @@
         </p:nvSpPr>
         <p:spPr>
           <a:xfrm>
-            <a:off x="2786919" y="772155"/>
+            <a:off x="2786919" y="768106"/>
             <a:ext cx="71862" cy="134139"/>
           </a:xfrm>
           <a:prstGeom prst="rect">
@@ -5361,7 +5360,7 @@
     </p:spTree>
     <p:extLst>
       <p:ext uri="{BB962C8B-B14F-4D97-AF65-F5344CB8AC3E}">
-        <p14:creationId xmlns:p14="http://schemas.microsoft.com/office/powerpoint/2010/main" val="1455795469"/>
+        <p14:creationId xmlns:p14="http://schemas.microsoft.com/office/powerpoint/2010/main" val="1586837084"/>
       </p:ext>
     </p:extLst>
   </p:cSld>

--- a/src/figures/Bc-consolidate.pptx
+++ b/src/figures/Bc-consolidate.pptx
@@ -197,7 +197,7 @@
           <a:p>
             <a:fld id="{C1C90ABE-C08A-444A-9B97-50985CA7357E}" type="datetimeFigureOut">
               <a:rPr kumimoji="1" lang="ja-JP" altLang="en-US" smtClean="0"/>
-              <a:t>2023/8/20</a:t>
+              <a:t>2024/7/29</a:t>
             </a:fld>
             <a:endParaRPr kumimoji="1" lang="ja-JP" altLang="en-US"/>
           </a:p>
